--- a/HW4/PA-4.pptx
+++ b/HW4/PA-4.pptx
@@ -585,35 +585,35 @@
           <a:p>
             <a:pPr lvl="0"/>
             <a:r>
-              <a:rPr lang="en-US" altLang="zh-TW" noProof="0" smtClean="0"/>
+              <a:rPr lang="en-US" altLang="zh-TW" noProof="0"/>
               <a:t>Click to edit Master text styles</a:t>
             </a:r>
           </a:p>
           <a:p>
             <a:pPr lvl="1"/>
             <a:r>
-              <a:rPr lang="en-US" altLang="zh-TW" noProof="0" smtClean="0"/>
+              <a:rPr lang="en-US" altLang="zh-TW" noProof="0"/>
               <a:t>Second level</a:t>
             </a:r>
           </a:p>
           <a:p>
             <a:pPr lvl="2"/>
             <a:r>
-              <a:rPr lang="en-US" altLang="zh-TW" noProof="0" smtClean="0"/>
+              <a:rPr lang="en-US" altLang="zh-TW" noProof="0"/>
               <a:t>Third level</a:t>
             </a:r>
           </a:p>
           <a:p>
             <a:pPr lvl="3"/>
             <a:r>
-              <a:rPr lang="en-US" altLang="zh-TW" noProof="0" smtClean="0"/>
+              <a:rPr lang="en-US" altLang="zh-TW" noProof="0"/>
               <a:t>Fourth level</a:t>
             </a:r>
           </a:p>
           <a:p>
             <a:pPr lvl="4"/>
             <a:r>
-              <a:rPr lang="en-US" altLang="zh-TW" noProof="0" smtClean="0"/>
+              <a:rPr lang="en-US" altLang="zh-TW" noProof="0"/>
               <a:t>Fifth level</a:t>
             </a:r>
           </a:p>
@@ -993,6 +993,41 @@
           </a:bodyPr>
           <a:lstStyle/>
           <a:p>
+            <a:r>
+              <a:rPr lang="en-US" altLang="zh-TW" dirty="0"/>
+              <a:t>Cosine similarity</a:t>
+            </a:r>
+            <a:r>
+              <a:rPr lang="zh-CN" altLang="en-US" dirty="0"/>
+              <a:t>是用在兩個</a:t>
+            </a:r>
+            <a:r>
+              <a:rPr lang="en-US" altLang="zh-CN" dirty="0"/>
+              <a:t>documents</a:t>
+            </a:r>
+            <a:r>
+              <a:rPr lang="zh-CN" altLang="en-US" dirty="0"/>
+              <a:t>上</a:t>
+            </a:r>
+            <a:endParaRPr lang="en-US" altLang="zh-CN" dirty="0"/>
+          </a:p>
+          <a:p>
+            <a:r>
+              <a:rPr lang="en-US" altLang="zh-TW" dirty="0"/>
+              <a:t>Similarity measure( single-link, complete-link,…)</a:t>
+            </a:r>
+            <a:r>
+              <a:rPr lang="zh-CN" altLang="en-US" dirty="0"/>
+              <a:t>是用在</a:t>
+            </a:r>
+            <a:r>
+              <a:rPr lang="en-US" altLang="zh-CN" dirty="0"/>
+              <a:t>clusters</a:t>
+            </a:r>
+            <a:r>
+              <a:rPr lang="zh-CN" altLang="en-US" dirty="0"/>
+              <a:t>上！</a:t>
+            </a:r>
             <a:endParaRPr lang="zh-TW" altLang="en-US" dirty="0"/>
           </a:p>
         </p:txBody>
@@ -1547,10 +1582,9 @@
           <a:lstStyle/>
           <a:p>
             <a:r>
-              <a:rPr lang="zh-TW" altLang="en-US" smtClean="0"/>
+              <a:rPr lang="zh-TW" altLang="en-US"/>
               <a:t>按一下以編輯母片標題樣式</a:t>
             </a:r>
-            <a:endParaRPr lang="zh-TW" altLang="en-US"/>
           </a:p>
         </p:txBody>
       </p:sp>
@@ -1571,38 +1605,37 @@
           <a:p>
             <a:pPr lvl="0"/>
             <a:r>
-              <a:rPr lang="zh-TW" altLang="en-US" smtClean="0"/>
+              <a:rPr lang="zh-TW" altLang="en-US"/>
               <a:t>按一下以編輯母片文字樣式</a:t>
             </a:r>
           </a:p>
           <a:p>
             <a:pPr lvl="1"/>
             <a:r>
-              <a:rPr lang="zh-TW" altLang="en-US" smtClean="0"/>
+              <a:rPr lang="zh-TW" altLang="en-US"/>
               <a:t>第二層</a:t>
             </a:r>
           </a:p>
           <a:p>
             <a:pPr lvl="2"/>
             <a:r>
-              <a:rPr lang="zh-TW" altLang="en-US" smtClean="0"/>
+              <a:rPr lang="zh-TW" altLang="en-US"/>
               <a:t>第三層</a:t>
             </a:r>
           </a:p>
           <a:p>
             <a:pPr lvl="3"/>
             <a:r>
-              <a:rPr lang="zh-TW" altLang="en-US" smtClean="0"/>
+              <a:rPr lang="zh-TW" altLang="en-US"/>
               <a:t>第四層</a:t>
             </a:r>
           </a:p>
           <a:p>
             <a:pPr lvl="4"/>
             <a:r>
-              <a:rPr lang="zh-TW" altLang="en-US" smtClean="0"/>
+              <a:rPr lang="zh-TW" altLang="en-US"/>
               <a:t>第五層</a:t>
             </a:r>
-            <a:endParaRPr lang="zh-TW" altLang="en-US"/>
           </a:p>
         </p:txBody>
       </p:sp>
@@ -1743,10 +1776,9 @@
           <a:lstStyle/>
           <a:p>
             <a:r>
-              <a:rPr lang="zh-TW" altLang="en-US" smtClean="0"/>
+              <a:rPr lang="zh-TW" altLang="en-US"/>
               <a:t>按一下以編輯母片標題樣式</a:t>
             </a:r>
-            <a:endParaRPr lang="zh-TW" altLang="en-US"/>
           </a:p>
         </p:txBody>
       </p:sp>
@@ -1772,38 +1804,37 @@
           <a:p>
             <a:pPr lvl="0"/>
             <a:r>
-              <a:rPr lang="zh-TW" altLang="en-US" smtClean="0"/>
+              <a:rPr lang="zh-TW" altLang="en-US"/>
               <a:t>按一下以編輯母片文字樣式</a:t>
             </a:r>
           </a:p>
           <a:p>
             <a:pPr lvl="1"/>
             <a:r>
-              <a:rPr lang="zh-TW" altLang="en-US" smtClean="0"/>
+              <a:rPr lang="zh-TW" altLang="en-US"/>
               <a:t>第二層</a:t>
             </a:r>
           </a:p>
           <a:p>
             <a:pPr lvl="2"/>
             <a:r>
-              <a:rPr lang="zh-TW" altLang="en-US" smtClean="0"/>
+              <a:rPr lang="zh-TW" altLang="en-US"/>
               <a:t>第三層</a:t>
             </a:r>
           </a:p>
           <a:p>
             <a:pPr lvl="3"/>
             <a:r>
-              <a:rPr lang="zh-TW" altLang="en-US" smtClean="0"/>
+              <a:rPr lang="zh-TW" altLang="en-US"/>
               <a:t>第四層</a:t>
             </a:r>
           </a:p>
           <a:p>
             <a:pPr lvl="4"/>
             <a:r>
-              <a:rPr lang="zh-TW" altLang="en-US" smtClean="0"/>
+              <a:rPr lang="zh-TW" altLang="en-US"/>
               <a:t>第五層</a:t>
             </a:r>
-            <a:endParaRPr lang="zh-TW" altLang="en-US"/>
           </a:p>
         </p:txBody>
       </p:sp>
@@ -1944,10 +1975,9 @@
           <a:lstStyle/>
           <a:p>
             <a:r>
-              <a:rPr lang="zh-TW" altLang="en-US" smtClean="0"/>
+              <a:rPr lang="zh-TW" altLang="en-US"/>
               <a:t>按一下以編輯母片標題樣式</a:t>
             </a:r>
-            <a:endParaRPr lang="zh-TW" altLang="en-US"/>
           </a:p>
         </p:txBody>
       </p:sp>
@@ -1973,38 +2003,37 @@
           <a:p>
             <a:pPr lvl="0"/>
             <a:r>
-              <a:rPr lang="zh-TW" altLang="en-US" smtClean="0"/>
+              <a:rPr lang="zh-TW" altLang="en-US"/>
               <a:t>按一下以編輯母片文字樣式</a:t>
             </a:r>
           </a:p>
           <a:p>
             <a:pPr lvl="1"/>
             <a:r>
-              <a:rPr lang="zh-TW" altLang="en-US" smtClean="0"/>
+              <a:rPr lang="zh-TW" altLang="en-US"/>
               <a:t>第二層</a:t>
             </a:r>
           </a:p>
           <a:p>
             <a:pPr lvl="2"/>
             <a:r>
-              <a:rPr lang="zh-TW" altLang="en-US" smtClean="0"/>
+              <a:rPr lang="zh-TW" altLang="en-US"/>
               <a:t>第三層</a:t>
             </a:r>
           </a:p>
           <a:p>
             <a:pPr lvl="3"/>
             <a:r>
-              <a:rPr lang="zh-TW" altLang="en-US" smtClean="0"/>
+              <a:rPr lang="zh-TW" altLang="en-US"/>
               <a:t>第四層</a:t>
             </a:r>
           </a:p>
           <a:p>
             <a:pPr lvl="4"/>
             <a:r>
-              <a:rPr lang="zh-TW" altLang="en-US" smtClean="0"/>
+              <a:rPr lang="zh-TW" altLang="en-US"/>
               <a:t>第五層</a:t>
             </a:r>
-            <a:endParaRPr lang="zh-TW" altLang="en-US"/>
           </a:p>
         </p:txBody>
       </p:sp>
@@ -2030,38 +2059,37 @@
           <a:p>
             <a:pPr lvl="0"/>
             <a:r>
-              <a:rPr lang="zh-TW" altLang="en-US" smtClean="0"/>
+              <a:rPr lang="zh-TW" altLang="en-US"/>
               <a:t>按一下以編輯母片文字樣式</a:t>
             </a:r>
           </a:p>
           <a:p>
             <a:pPr lvl="1"/>
             <a:r>
-              <a:rPr lang="zh-TW" altLang="en-US" smtClean="0"/>
+              <a:rPr lang="zh-TW" altLang="en-US"/>
               <a:t>第二層</a:t>
             </a:r>
           </a:p>
           <a:p>
             <a:pPr lvl="2"/>
             <a:r>
-              <a:rPr lang="zh-TW" altLang="en-US" smtClean="0"/>
+              <a:rPr lang="zh-TW" altLang="en-US"/>
               <a:t>第三層</a:t>
             </a:r>
           </a:p>
           <a:p>
             <a:pPr lvl="3"/>
             <a:r>
-              <a:rPr lang="zh-TW" altLang="en-US" smtClean="0"/>
+              <a:rPr lang="zh-TW" altLang="en-US"/>
               <a:t>第四層</a:t>
             </a:r>
           </a:p>
           <a:p>
             <a:pPr lvl="4"/>
             <a:r>
-              <a:rPr lang="zh-TW" altLang="en-US" smtClean="0"/>
+              <a:rPr lang="zh-TW" altLang="en-US"/>
               <a:t>第五層</a:t>
             </a:r>
-            <a:endParaRPr lang="zh-TW" altLang="en-US"/>
           </a:p>
         </p:txBody>
       </p:sp>
@@ -2197,10 +2225,9 @@
           <a:lstStyle/>
           <a:p>
             <a:r>
-              <a:rPr lang="zh-TW" altLang="en-US" smtClean="0"/>
+              <a:rPr lang="zh-TW" altLang="en-US"/>
               <a:t>按一下以編輯母片標題樣式</a:t>
             </a:r>
-            <a:endParaRPr lang="zh-TW" altLang="en-US"/>
           </a:p>
         </p:txBody>
       </p:sp>
@@ -2221,38 +2248,37 @@
           <a:p>
             <a:pPr lvl="0"/>
             <a:r>
-              <a:rPr lang="zh-TW" altLang="en-US" smtClean="0"/>
+              <a:rPr lang="zh-TW" altLang="en-US"/>
               <a:t>按一下以編輯母片文字樣式</a:t>
             </a:r>
           </a:p>
           <a:p>
             <a:pPr lvl="1"/>
             <a:r>
-              <a:rPr lang="zh-TW" altLang="en-US" smtClean="0"/>
+              <a:rPr lang="zh-TW" altLang="en-US"/>
               <a:t>第二層</a:t>
             </a:r>
           </a:p>
           <a:p>
             <a:pPr lvl="2"/>
             <a:r>
-              <a:rPr lang="zh-TW" altLang="en-US" smtClean="0"/>
+              <a:rPr lang="zh-TW" altLang="en-US"/>
               <a:t>第三層</a:t>
             </a:r>
           </a:p>
           <a:p>
             <a:pPr lvl="3"/>
             <a:r>
-              <a:rPr lang="zh-TW" altLang="en-US" smtClean="0"/>
+              <a:rPr lang="zh-TW" altLang="en-US"/>
               <a:t>第四層</a:t>
             </a:r>
           </a:p>
           <a:p>
             <a:pPr lvl="4"/>
             <a:r>
-              <a:rPr lang="zh-TW" altLang="en-US" smtClean="0"/>
+              <a:rPr lang="zh-TW" altLang="en-US"/>
               <a:t>第五層</a:t>
             </a:r>
-            <a:endParaRPr lang="zh-TW" altLang="en-US"/>
           </a:p>
         </p:txBody>
       </p:sp>
@@ -2397,10 +2423,9 @@
           </a:lstStyle>
           <a:p>
             <a:r>
-              <a:rPr lang="zh-TW" altLang="en-US" smtClean="0"/>
+              <a:rPr lang="zh-TW" altLang="en-US"/>
               <a:t>按一下以編輯母片標題樣式</a:t>
             </a:r>
-            <a:endParaRPr lang="zh-TW" altLang="en-US"/>
           </a:p>
         </p:txBody>
       </p:sp>
@@ -2463,7 +2488,7 @@
           <a:p>
             <a:pPr lvl="0"/>
             <a:r>
-              <a:rPr lang="zh-TW" altLang="en-US" smtClean="0"/>
+              <a:rPr lang="zh-TW" altLang="en-US"/>
               <a:t>按一下以編輯母片文字樣式</a:t>
             </a:r>
           </a:p>
@@ -2601,10 +2626,9 @@
           <a:lstStyle/>
           <a:p>
             <a:r>
-              <a:rPr lang="zh-TW" altLang="en-US" smtClean="0"/>
+              <a:rPr lang="zh-TW" altLang="en-US"/>
               <a:t>按一下以編輯母片標題樣式</a:t>
             </a:r>
-            <a:endParaRPr lang="zh-TW" altLang="en-US"/>
           </a:p>
         </p:txBody>
       </p:sp>
@@ -2658,38 +2682,37 @@
           <a:p>
             <a:pPr lvl="0"/>
             <a:r>
-              <a:rPr lang="zh-TW" altLang="en-US" smtClean="0"/>
+              <a:rPr lang="zh-TW" altLang="en-US"/>
               <a:t>按一下以編輯母片文字樣式</a:t>
             </a:r>
           </a:p>
           <a:p>
             <a:pPr lvl="1"/>
             <a:r>
-              <a:rPr lang="zh-TW" altLang="en-US" smtClean="0"/>
+              <a:rPr lang="zh-TW" altLang="en-US"/>
               <a:t>第二層</a:t>
             </a:r>
           </a:p>
           <a:p>
             <a:pPr lvl="2"/>
             <a:r>
-              <a:rPr lang="zh-TW" altLang="en-US" smtClean="0"/>
+              <a:rPr lang="zh-TW" altLang="en-US"/>
               <a:t>第三層</a:t>
             </a:r>
           </a:p>
           <a:p>
             <a:pPr lvl="3"/>
             <a:r>
-              <a:rPr lang="zh-TW" altLang="en-US" smtClean="0"/>
+              <a:rPr lang="zh-TW" altLang="en-US"/>
               <a:t>第四層</a:t>
             </a:r>
           </a:p>
           <a:p>
             <a:pPr lvl="4"/>
             <a:r>
-              <a:rPr lang="zh-TW" altLang="en-US" smtClean="0"/>
+              <a:rPr lang="zh-TW" altLang="en-US"/>
               <a:t>第五層</a:t>
             </a:r>
-            <a:endParaRPr lang="zh-TW" altLang="en-US"/>
           </a:p>
         </p:txBody>
       </p:sp>
@@ -2743,38 +2766,37 @@
           <a:p>
             <a:pPr lvl="0"/>
             <a:r>
-              <a:rPr lang="zh-TW" altLang="en-US" smtClean="0"/>
+              <a:rPr lang="zh-TW" altLang="en-US"/>
               <a:t>按一下以編輯母片文字樣式</a:t>
             </a:r>
           </a:p>
           <a:p>
             <a:pPr lvl="1"/>
             <a:r>
-              <a:rPr lang="zh-TW" altLang="en-US" smtClean="0"/>
+              <a:rPr lang="zh-TW" altLang="en-US"/>
               <a:t>第二層</a:t>
             </a:r>
           </a:p>
           <a:p>
             <a:pPr lvl="2"/>
             <a:r>
-              <a:rPr lang="zh-TW" altLang="en-US" smtClean="0"/>
+              <a:rPr lang="zh-TW" altLang="en-US"/>
               <a:t>第三層</a:t>
             </a:r>
           </a:p>
           <a:p>
             <a:pPr lvl="3"/>
             <a:r>
-              <a:rPr lang="zh-TW" altLang="en-US" smtClean="0"/>
+              <a:rPr lang="zh-TW" altLang="en-US"/>
               <a:t>第四層</a:t>
             </a:r>
           </a:p>
           <a:p>
             <a:pPr lvl="4"/>
             <a:r>
-              <a:rPr lang="zh-TW" altLang="en-US" smtClean="0"/>
+              <a:rPr lang="zh-TW" altLang="en-US"/>
               <a:t>第五層</a:t>
             </a:r>
-            <a:endParaRPr lang="zh-TW" altLang="en-US"/>
           </a:p>
         </p:txBody>
       </p:sp>
@@ -2919,10 +2941,9 @@
           </a:lstStyle>
           <a:p>
             <a:r>
-              <a:rPr lang="zh-TW" altLang="en-US" smtClean="0"/>
+              <a:rPr lang="zh-TW" altLang="en-US"/>
               <a:t>按一下以編輯母片標題樣式</a:t>
             </a:r>
-            <a:endParaRPr lang="zh-TW" altLang="en-US"/>
           </a:p>
         </p:txBody>
       </p:sp>
@@ -2985,7 +3006,7 @@
           <a:p>
             <a:pPr lvl="0"/>
             <a:r>
-              <a:rPr lang="zh-TW" altLang="en-US" smtClean="0"/>
+              <a:rPr lang="zh-TW" altLang="en-US"/>
               <a:t>按一下以編輯母片文字樣式</a:t>
             </a:r>
           </a:p>
@@ -3041,38 +3062,37 @@
           <a:p>
             <a:pPr lvl="0"/>
             <a:r>
-              <a:rPr lang="zh-TW" altLang="en-US" smtClean="0"/>
+              <a:rPr lang="zh-TW" altLang="en-US"/>
               <a:t>按一下以編輯母片文字樣式</a:t>
             </a:r>
           </a:p>
           <a:p>
             <a:pPr lvl="1"/>
             <a:r>
-              <a:rPr lang="zh-TW" altLang="en-US" smtClean="0"/>
+              <a:rPr lang="zh-TW" altLang="en-US"/>
               <a:t>第二層</a:t>
             </a:r>
           </a:p>
           <a:p>
             <a:pPr lvl="2"/>
             <a:r>
-              <a:rPr lang="zh-TW" altLang="en-US" smtClean="0"/>
+              <a:rPr lang="zh-TW" altLang="en-US"/>
               <a:t>第三層</a:t>
             </a:r>
           </a:p>
           <a:p>
             <a:pPr lvl="3"/>
             <a:r>
-              <a:rPr lang="zh-TW" altLang="en-US" smtClean="0"/>
+              <a:rPr lang="zh-TW" altLang="en-US"/>
               <a:t>第四層</a:t>
             </a:r>
           </a:p>
           <a:p>
             <a:pPr lvl="4"/>
             <a:r>
-              <a:rPr lang="zh-TW" altLang="en-US" smtClean="0"/>
+              <a:rPr lang="zh-TW" altLang="en-US"/>
               <a:t>第五層</a:t>
             </a:r>
-            <a:endParaRPr lang="zh-TW" altLang="en-US"/>
           </a:p>
         </p:txBody>
       </p:sp>
@@ -3135,7 +3155,7 @@
           <a:p>
             <a:pPr lvl="0"/>
             <a:r>
-              <a:rPr lang="zh-TW" altLang="en-US" smtClean="0"/>
+              <a:rPr lang="zh-TW" altLang="en-US"/>
               <a:t>按一下以編輯母片文字樣式</a:t>
             </a:r>
           </a:p>
@@ -3191,38 +3211,37 @@
           <a:p>
             <a:pPr lvl="0"/>
             <a:r>
-              <a:rPr lang="zh-TW" altLang="en-US" smtClean="0"/>
+              <a:rPr lang="zh-TW" altLang="en-US"/>
               <a:t>按一下以編輯母片文字樣式</a:t>
             </a:r>
           </a:p>
           <a:p>
             <a:pPr lvl="1"/>
             <a:r>
-              <a:rPr lang="zh-TW" altLang="en-US" smtClean="0"/>
+              <a:rPr lang="zh-TW" altLang="en-US"/>
               <a:t>第二層</a:t>
             </a:r>
           </a:p>
           <a:p>
             <a:pPr lvl="2"/>
             <a:r>
-              <a:rPr lang="zh-TW" altLang="en-US" smtClean="0"/>
+              <a:rPr lang="zh-TW" altLang="en-US"/>
               <a:t>第三層</a:t>
             </a:r>
           </a:p>
           <a:p>
             <a:pPr lvl="3"/>
             <a:r>
-              <a:rPr lang="zh-TW" altLang="en-US" smtClean="0"/>
+              <a:rPr lang="zh-TW" altLang="en-US"/>
               <a:t>第四層</a:t>
             </a:r>
           </a:p>
           <a:p>
             <a:pPr lvl="4"/>
             <a:r>
-              <a:rPr lang="zh-TW" altLang="en-US" smtClean="0"/>
+              <a:rPr lang="zh-TW" altLang="en-US"/>
               <a:t>第五層</a:t>
             </a:r>
-            <a:endParaRPr lang="zh-TW" altLang="en-US"/>
           </a:p>
         </p:txBody>
       </p:sp>
@@ -3358,10 +3377,9 @@
           <a:lstStyle/>
           <a:p>
             <a:r>
-              <a:rPr lang="zh-TW" altLang="en-US" smtClean="0"/>
+              <a:rPr lang="zh-TW" altLang="en-US"/>
               <a:t>按一下以編輯母片標題樣式</a:t>
             </a:r>
-            <a:endParaRPr lang="zh-TW" altLang="en-US"/>
           </a:p>
         </p:txBody>
       </p:sp>
@@ -3622,10 +3640,9 @@
           </a:lstStyle>
           <a:p>
             <a:r>
-              <a:rPr lang="zh-TW" altLang="en-US" smtClean="0"/>
+              <a:rPr lang="zh-TW" altLang="en-US"/>
               <a:t>按一下以編輯母片標題樣式</a:t>
             </a:r>
-            <a:endParaRPr lang="zh-TW" altLang="en-US"/>
           </a:p>
         </p:txBody>
       </p:sp>
@@ -3679,38 +3696,37 @@
           <a:p>
             <a:pPr lvl="0"/>
             <a:r>
-              <a:rPr lang="zh-TW" altLang="en-US" smtClean="0"/>
+              <a:rPr lang="zh-TW" altLang="en-US"/>
               <a:t>按一下以編輯母片文字樣式</a:t>
             </a:r>
           </a:p>
           <a:p>
             <a:pPr lvl="1"/>
             <a:r>
-              <a:rPr lang="zh-TW" altLang="en-US" smtClean="0"/>
+              <a:rPr lang="zh-TW" altLang="en-US"/>
               <a:t>第二層</a:t>
             </a:r>
           </a:p>
           <a:p>
             <a:pPr lvl="2"/>
             <a:r>
-              <a:rPr lang="zh-TW" altLang="en-US" smtClean="0"/>
+              <a:rPr lang="zh-TW" altLang="en-US"/>
               <a:t>第三層</a:t>
             </a:r>
           </a:p>
           <a:p>
             <a:pPr lvl="3"/>
             <a:r>
-              <a:rPr lang="zh-TW" altLang="en-US" smtClean="0"/>
+              <a:rPr lang="zh-TW" altLang="en-US"/>
               <a:t>第四層</a:t>
             </a:r>
           </a:p>
           <a:p>
             <a:pPr lvl="4"/>
             <a:r>
-              <a:rPr lang="zh-TW" altLang="en-US" smtClean="0"/>
+              <a:rPr lang="zh-TW" altLang="en-US"/>
               <a:t>第五層</a:t>
             </a:r>
-            <a:endParaRPr lang="zh-TW" altLang="en-US"/>
           </a:p>
         </p:txBody>
       </p:sp>
@@ -3773,7 +3789,7 @@
           <a:p>
             <a:pPr lvl="0"/>
             <a:r>
-              <a:rPr lang="zh-TW" altLang="en-US" smtClean="0"/>
+              <a:rPr lang="zh-TW" altLang="en-US"/>
               <a:t>按一下以編輯母片文字樣式</a:t>
             </a:r>
           </a:p>
@@ -3920,10 +3936,9 @@
           </a:lstStyle>
           <a:p>
             <a:r>
-              <a:rPr lang="zh-TW" altLang="en-US" smtClean="0"/>
+              <a:rPr lang="zh-TW" altLang="en-US"/>
               <a:t>按一下以編輯母片標題樣式</a:t>
             </a:r>
-            <a:endParaRPr lang="zh-TW" altLang="en-US"/>
           </a:p>
         </p:txBody>
       </p:sp>
@@ -3985,7 +4000,7 @@
           </a:lstStyle>
           <a:p>
             <a:pPr lvl="0"/>
-            <a:endParaRPr lang="zh-TW" altLang="en-US" noProof="0" smtClean="0"/>
+            <a:endParaRPr lang="zh-TW" altLang="en-US" noProof="0"/>
           </a:p>
         </p:txBody>
       </p:sp>
@@ -4048,7 +4063,7 @@
           <a:p>
             <a:pPr lvl="0"/>
             <a:r>
-              <a:rPr lang="zh-TW" altLang="en-US" smtClean="0"/>
+              <a:rPr lang="zh-TW" altLang="en-US"/>
               <a:t>按一下以編輯母片文字樣式</a:t>
             </a:r>
           </a:p>
@@ -4214,7 +4229,7 @@
           <a:p>
             <a:pPr lvl="0"/>
             <a:r>
-              <a:rPr lang="zh-TW" altLang="en-US" smtClean="0"/>
+              <a:rPr lang="zh-TW" altLang="en-US"/>
               <a:t>按一下以編輯母片標題樣式</a:t>
             </a:r>
           </a:p>
@@ -4256,35 +4271,35 @@
           <a:p>
             <a:pPr lvl="0"/>
             <a:r>
-              <a:rPr lang="zh-TW" altLang="en-US" smtClean="0"/>
+              <a:rPr lang="zh-TW" altLang="en-US"/>
               <a:t>按一下以編輯母片</a:t>
             </a:r>
           </a:p>
           <a:p>
             <a:pPr lvl="1"/>
             <a:r>
-              <a:rPr lang="zh-TW" altLang="en-US" smtClean="0"/>
+              <a:rPr lang="zh-TW" altLang="en-US"/>
               <a:t>第二層</a:t>
             </a:r>
           </a:p>
           <a:p>
             <a:pPr lvl="2"/>
             <a:r>
-              <a:rPr lang="zh-TW" altLang="en-US" smtClean="0"/>
+              <a:rPr lang="zh-TW" altLang="en-US"/>
               <a:t>第三層</a:t>
             </a:r>
           </a:p>
           <a:p>
             <a:pPr lvl="3"/>
             <a:r>
-              <a:rPr lang="zh-TW" altLang="en-US" smtClean="0"/>
+              <a:rPr lang="zh-TW" altLang="en-US"/>
               <a:t>第四層</a:t>
             </a:r>
           </a:p>
           <a:p>
             <a:pPr lvl="4"/>
             <a:r>
-              <a:rPr lang="zh-TW" altLang="en-US" smtClean="0"/>
+              <a:rPr lang="zh-TW" altLang="en-US"/>
               <a:t>第五層</a:t>
             </a:r>
           </a:p>
@@ -4673,13 +4688,6 @@
     <p:sldLayoutId id="2147483730" r:id="rId11"/>
     <p:sldLayoutId id="2147483731" r:id="rId12"/>
   </p:sldLayoutIdLst>
-  <p:timing>
-    <p:tnLst>
-      <p:par>
-        <p:cTn id="1" dur="indefinite" restart="never" nodeType="tmRoot"/>
-      </p:par>
-    </p:tnLst>
-  </p:timing>
   <p:hf hdr="0" ftr="0" dt="0"/>
   <p:txStyles>
     <p:titleStyle>
@@ -5174,14 +5182,14 @@
           <a:p>
             <a:pPr eaLnBrk="1" hangingPunct="1"/>
             <a:r>
-              <a:rPr lang="en-US" altLang="zh-TW" sz="4000" dirty="0" smtClean="0"/>
+              <a:rPr lang="en-US" altLang="zh-TW" sz="4000" dirty="0"/>
               <a:t>Programming Assignment 4 </a:t>
             </a:r>
             <a:r>
-              <a:rPr lang="en-US" altLang="zh-TW" sz="4000" smtClean="0"/>
+              <a:rPr lang="en-US" altLang="zh-TW" sz="4000"/>
               <a:t>(1/2)</a:t>
             </a:r>
-            <a:endParaRPr lang="en-US" altLang="zh-TW" sz="4000" dirty="0" smtClean="0"/>
+            <a:endParaRPr lang="en-US" altLang="zh-TW" sz="4000" dirty="0"/>
           </a:p>
         </p:txBody>
       </p:sp>
@@ -5211,7 +5219,7 @@
               </a:lnSpc>
             </a:pPr>
             <a:r>
-              <a:rPr lang="en-US" altLang="zh-TW" sz="2400" b="1" dirty="0" smtClean="0">
+              <a:rPr lang="en-US" altLang="zh-TW" sz="2400" b="1" dirty="0">
                 <a:solidFill>
                   <a:srgbClr val="FF0000"/>
                 </a:solidFill>
@@ -5219,10 +5227,10 @@
               <a:t>HAC clustering</a:t>
             </a:r>
             <a:r>
-              <a:rPr lang="en-US" altLang="zh-TW" sz="2400" dirty="0" smtClean="0"/>
+              <a:rPr lang="en-US" altLang="zh-TW" sz="2400" dirty="0"/>
               <a:t>:</a:t>
             </a:r>
-            <a:endParaRPr lang="en-US" altLang="zh-TW" sz="1000" dirty="0" smtClean="0"/>
+            <a:endParaRPr lang="en-US" altLang="zh-TW" sz="1000" dirty="0"/>
           </a:p>
           <a:p>
             <a:pPr lvl="1">
@@ -5231,7 +5239,7 @@
               </a:lnSpc>
             </a:pPr>
             <a:r>
-              <a:rPr lang="en-US" altLang="zh-TW" sz="2000" dirty="0" smtClean="0"/>
+              <a:rPr lang="en-US" altLang="zh-TW" sz="2000" dirty="0"/>
               <a:t>Text collection:</a:t>
             </a:r>
           </a:p>
@@ -5242,7 +5250,7 @@
               </a:lnSpc>
             </a:pPr>
             <a:r>
-              <a:rPr lang="en-US" altLang="zh-TW" sz="1800" dirty="0" smtClean="0"/>
+              <a:rPr lang="en-US" altLang="zh-TW" sz="1800" dirty="0"/>
               <a:t>The 1095 news documents.</a:t>
             </a:r>
           </a:p>
@@ -5252,7 +5260,7 @@
                 <a:spcPct val="90000"/>
               </a:lnSpc>
             </a:pPr>
-            <a:endParaRPr lang="en-US" altLang="zh-TW" sz="1000" dirty="0" smtClean="0"/>
+            <a:endParaRPr lang="en-US" altLang="zh-TW" sz="1000" dirty="0"/>
           </a:p>
           <a:p>
             <a:pPr lvl="1">
@@ -5261,11 +5269,11 @@
               </a:lnSpc>
             </a:pPr>
             <a:r>
-              <a:rPr lang="en-US" altLang="zh-TW" sz="2000" i="1" dirty="0" smtClean="0"/>
+              <a:rPr lang="en-US" altLang="zh-TW" sz="2000" i="1" dirty="0"/>
               <a:t>K </a:t>
             </a:r>
             <a:r>
-              <a:rPr lang="en-US" altLang="zh-TW" sz="2000" dirty="0" smtClean="0"/>
+              <a:rPr lang="en-US" altLang="zh-TW" sz="2000" dirty="0"/>
               <a:t>= 8, 13, and 20.</a:t>
             </a:r>
           </a:p>
@@ -5276,23 +5284,23 @@
               </a:lnSpc>
             </a:pPr>
             <a:r>
-              <a:rPr lang="en-US" altLang="zh-TW" sz="1800" dirty="0" smtClean="0"/>
+              <a:rPr lang="en-US" altLang="zh-TW" sz="1800" dirty="0"/>
               <a:t>Save each clustering result in a file – </a:t>
             </a:r>
             <a:r>
-              <a:rPr lang="en-US" altLang="zh-TW" sz="1800" i="1" dirty="0" smtClean="0"/>
+              <a:rPr lang="en-US" altLang="zh-TW" sz="1800" i="1" dirty="0"/>
               <a:t>K</a:t>
             </a:r>
             <a:r>
-              <a:rPr lang="en-US" altLang="zh-TW" sz="1800" dirty="0" smtClean="0"/>
+              <a:rPr lang="en-US" altLang="zh-TW" sz="1800" dirty="0"/>
               <a:t>.txt </a:t>
             </a:r>
             <a:r>
-              <a:rPr lang="en-US" altLang="zh-TW" sz="1400" dirty="0" smtClean="0"/>
+              <a:rPr lang="en-US" altLang="zh-TW" sz="1400" dirty="0"/>
               <a:t>(that is, 8.txt, 13.txt, and 20.txt)</a:t>
             </a:r>
             <a:r>
-              <a:rPr lang="en-US" altLang="zh-TW" sz="1800" dirty="0" smtClean="0"/>
+              <a:rPr lang="en-US" altLang="zh-TW" sz="1800" dirty="0"/>
               <a:t>.</a:t>
             </a:r>
           </a:p>
@@ -5302,7 +5310,7 @@
                 <a:spcPct val="90000"/>
               </a:lnSpc>
             </a:pPr>
-            <a:endParaRPr lang="en-US" altLang="zh-TW" sz="1600" dirty="0" smtClean="0"/>
+            <a:endParaRPr lang="en-US" altLang="zh-TW" sz="1600" dirty="0"/>
           </a:p>
           <a:p>
             <a:pPr lvl="2">
@@ -5310,7 +5318,7 @@
                 <a:spcPct val="90000"/>
               </a:lnSpc>
             </a:pPr>
-            <a:endParaRPr lang="en-US" altLang="zh-TW" sz="700" dirty="0" smtClean="0"/>
+            <a:endParaRPr lang="en-US" altLang="zh-TW" sz="700" dirty="0"/>
           </a:p>
           <a:p>
             <a:pPr lvl="2">
@@ -5318,7 +5326,7 @@
                 <a:spcPct val="90000"/>
               </a:lnSpc>
             </a:pPr>
-            <a:endParaRPr lang="en-US" altLang="zh-TW" sz="1600" dirty="0" smtClean="0"/>
+            <a:endParaRPr lang="en-US" altLang="zh-TW" sz="1600" dirty="0"/>
           </a:p>
           <a:p>
             <a:pPr lvl="2">
@@ -5326,7 +5334,7 @@
                 <a:spcPct val="90000"/>
               </a:lnSpc>
             </a:pPr>
-            <a:endParaRPr lang="en-US" altLang="zh-TW" sz="1600" dirty="0" smtClean="0"/>
+            <a:endParaRPr lang="en-US" altLang="zh-TW" sz="1600" dirty="0"/>
           </a:p>
           <a:p>
             <a:pPr lvl="2">
@@ -5334,7 +5342,7 @@
                 <a:spcPct val="90000"/>
               </a:lnSpc>
             </a:pPr>
-            <a:endParaRPr lang="en-US" altLang="zh-TW" sz="1600" dirty="0" smtClean="0"/>
+            <a:endParaRPr lang="en-US" altLang="zh-TW" sz="1600" dirty="0"/>
           </a:p>
           <a:p>
             <a:pPr lvl="2">
@@ -5342,7 +5350,7 @@
                 <a:spcPct val="90000"/>
               </a:lnSpc>
             </a:pPr>
-            <a:endParaRPr lang="en-US" altLang="zh-TW" sz="1600" dirty="0" smtClean="0"/>
+            <a:endParaRPr lang="en-US" altLang="zh-TW" sz="1600" dirty="0"/>
           </a:p>
           <a:p>
             <a:pPr lvl="2">
@@ -5350,7 +5358,7 @@
                 <a:spcPct val="90000"/>
               </a:lnSpc>
             </a:pPr>
-            <a:endParaRPr lang="en-US" altLang="zh-TW" sz="1600" dirty="0" smtClean="0"/>
+            <a:endParaRPr lang="en-US" altLang="zh-TW" sz="1600" dirty="0"/>
           </a:p>
           <a:p>
             <a:pPr lvl="2">
@@ -5358,7 +5366,7 @@
                 <a:spcPct val="90000"/>
               </a:lnSpc>
             </a:pPr>
-            <a:endParaRPr lang="en-US" altLang="zh-TW" sz="1600" dirty="0" smtClean="0"/>
+            <a:endParaRPr lang="en-US" altLang="zh-TW" sz="1600" dirty="0"/>
           </a:p>
           <a:p>
             <a:pPr lvl="2">
@@ -5366,7 +5374,7 @@
                 <a:spcPct val="90000"/>
               </a:lnSpc>
             </a:pPr>
-            <a:endParaRPr lang="en-US" altLang="zh-TW" sz="1600" dirty="0" smtClean="0"/>
+            <a:endParaRPr lang="en-US" altLang="zh-TW" sz="1600" dirty="0"/>
           </a:p>
           <a:p>
             <a:pPr lvl="2">
@@ -5374,7 +5382,7 @@
                 <a:spcPct val="90000"/>
               </a:lnSpc>
             </a:pPr>
-            <a:endParaRPr lang="en-US" altLang="zh-TW" sz="700" dirty="0" smtClean="0"/>
+            <a:endParaRPr lang="en-US" altLang="zh-TW" sz="700" dirty="0"/>
           </a:p>
           <a:p>
             <a:pPr lvl="2">
@@ -5382,7 +5390,7 @@
                 <a:spcPct val="90000"/>
               </a:lnSpc>
             </a:pPr>
-            <a:endParaRPr lang="en-US" altLang="zh-TW" sz="1600" dirty="0" smtClean="0"/>
+            <a:endParaRPr lang="en-US" altLang="zh-TW" sz="1600" dirty="0"/>
           </a:p>
         </p:txBody>
       </p:sp>
@@ -5425,49 +5433,49 @@
           <a:lstStyle/>
           <a:p>
             <a:r>
-              <a:rPr lang="en-US" altLang="zh-TW" dirty="0" smtClean="0"/>
+              <a:rPr lang="en-US" altLang="zh-TW" dirty="0"/>
               <a:t>3</a:t>
             </a:r>
           </a:p>
           <a:p>
             <a:r>
-              <a:rPr lang="en-US" altLang="zh-TW" dirty="0" smtClean="0"/>
+              <a:rPr lang="en-US" altLang="zh-TW" dirty="0"/>
               <a:t>18</a:t>
             </a:r>
           </a:p>
           <a:p>
             <a:r>
-              <a:rPr lang="en-US" altLang="zh-TW" dirty="0" smtClean="0"/>
+              <a:rPr lang="en-US" altLang="zh-TW" dirty="0"/>
               <a:t>247</a:t>
             </a:r>
           </a:p>
           <a:p>
-            <a:endParaRPr lang="en-US" altLang="zh-TW" dirty="0" smtClean="0"/>
-          </a:p>
-          <a:p>
-            <a:r>
-              <a:rPr lang="en-US" altLang="zh-TW" dirty="0" smtClean="0"/>
+            <a:endParaRPr lang="en-US" altLang="zh-TW" dirty="0"/>
+          </a:p>
+          <a:p>
+            <a:r>
+              <a:rPr lang="en-US" altLang="zh-TW" dirty="0"/>
               <a:t>1</a:t>
             </a:r>
           </a:p>
           <a:p>
             <a:r>
-              <a:rPr lang="en-US" altLang="zh-TW" dirty="0" smtClean="0"/>
+              <a:rPr lang="en-US" altLang="zh-TW" dirty="0"/>
               <a:t>15</a:t>
             </a:r>
           </a:p>
           <a:p>
             <a:r>
-              <a:rPr lang="en-US" altLang="zh-TW" dirty="0" smtClean="0"/>
+              <a:rPr lang="en-US" altLang="zh-TW" dirty="0"/>
               <a:t>79</a:t>
             </a:r>
           </a:p>
           <a:p>
-            <a:endParaRPr lang="en-US" altLang="zh-TW" dirty="0" smtClean="0"/>
-          </a:p>
-          <a:p>
-            <a:r>
-              <a:rPr lang="en-US" altLang="zh-TW" dirty="0" smtClean="0"/>
+            <a:endParaRPr lang="en-US" altLang="zh-TW" dirty="0"/>
+          </a:p>
+          <a:p>
+            <a:r>
+              <a:rPr lang="en-US" altLang="zh-TW" dirty="0"/>
               <a:t>…</a:t>
             </a:r>
             <a:endParaRPr lang="zh-TW" altLang="en-US" dirty="0"/>
@@ -5506,14 +5514,13 @@
           <a:lstStyle/>
           <a:p>
             <a:r>
-              <a:rPr lang="en-US" altLang="zh-TW" sz="1600" i="1" dirty="0" smtClean="0"/>
+              <a:rPr lang="en-US" altLang="zh-TW" sz="1600" i="1" dirty="0"/>
               <a:t>K</a:t>
             </a:r>
             <a:r>
-              <a:rPr lang="en-US" altLang="zh-TW" sz="1600" dirty="0" smtClean="0"/>
+              <a:rPr lang="en-US" altLang="zh-TW" sz="1600" dirty="0"/>
               <a:t>.txt</a:t>
             </a:r>
-            <a:endParaRPr lang="en-US" altLang="zh-TW" sz="1600" dirty="0"/>
           </a:p>
         </p:txBody>
       </p:sp>
@@ -5571,7 +5578,7 @@
               <a:buNone/>
               <a:tabLst/>
             </a:pPr>
-            <a:endParaRPr kumimoji="1" lang="zh-TW" altLang="en-US" sz="1400" b="0" i="0" u="none" strike="noStrike" cap="none" normalizeH="0" baseline="0" smtClean="0">
+            <a:endParaRPr kumimoji="1" lang="zh-TW" altLang="en-US" sz="1400" b="0" i="0" u="none" strike="noStrike" cap="none" normalizeH="0" baseline="0">
               <a:ln>
                 <a:noFill/>
               </a:ln>
@@ -5639,7 +5646,7 @@
               <a:buNone/>
               <a:tabLst/>
             </a:pPr>
-            <a:endParaRPr kumimoji="1" lang="zh-TW" altLang="en-US" sz="1400" b="0" i="0" u="none" strike="noStrike" cap="none" normalizeH="0" baseline="0" smtClean="0">
+            <a:endParaRPr kumimoji="1" lang="zh-TW" altLang="en-US" sz="1400" b="0" i="0" u="none" strike="noStrike" cap="none" normalizeH="0" baseline="0">
               <a:ln>
                 <a:noFill/>
               </a:ln>
@@ -5693,13 +5700,13 @@
           <a:lstStyle/>
           <a:p>
             <a:r>
-              <a:rPr lang="en-US" altLang="zh-TW" dirty="0" smtClean="0"/>
+              <a:rPr lang="en-US" altLang="zh-TW" dirty="0"/>
               <a:t>clusters are separated </a:t>
             </a:r>
           </a:p>
           <a:p>
             <a:r>
-              <a:rPr lang="en-US" altLang="zh-TW" dirty="0" smtClean="0"/>
+              <a:rPr lang="en-US" altLang="zh-TW" dirty="0"/>
               <a:t>by an empty line</a:t>
             </a:r>
             <a:endParaRPr lang="zh-TW" altLang="en-US" dirty="0"/>
@@ -5825,22 +5832,22 @@
           <a:p>
             <a:pPr marL="0" lvl="3"/>
             <a:r>
-              <a:rPr lang="en-US" altLang="zh-TW" sz="1600" dirty="0" smtClean="0"/>
+              <a:rPr lang="en-US" altLang="zh-TW" sz="1600" dirty="0"/>
               <a:t>ascending order </a:t>
             </a:r>
           </a:p>
           <a:p>
             <a:pPr marL="0" lvl="3"/>
             <a:r>
-              <a:rPr lang="en-US" altLang="zh-TW" sz="1600" dirty="0" smtClean="0"/>
+              <a:rPr lang="en-US" altLang="zh-TW" sz="1600" dirty="0"/>
               <a:t>to </a:t>
             </a:r>
             <a:r>
-              <a:rPr lang="en-US" altLang="zh-TW" sz="1600" dirty="0" err="1" smtClean="0"/>
+              <a:rPr lang="en-US" altLang="zh-TW" sz="1600" dirty="0" err="1"/>
               <a:t>doc_id</a:t>
             </a:r>
             <a:r>
-              <a:rPr lang="en-US" altLang="zh-TW" sz="1600" dirty="0" smtClean="0"/>
+              <a:rPr lang="en-US" altLang="zh-TW" sz="1600" dirty="0"/>
               <a:t>.</a:t>
             </a:r>
           </a:p>
@@ -6459,7 +6466,7 @@
           <a:lstStyle/>
           <a:p>
             <a:r>
-              <a:rPr lang="en-US" altLang="zh-TW" sz="4000" dirty="0" smtClean="0"/>
+              <a:rPr lang="en-US" altLang="zh-TW" sz="4000" dirty="0"/>
               <a:t>Programming Assignment 4 (2/2)</a:t>
             </a:r>
             <a:endParaRPr lang="zh-TW" altLang="en-US" sz="4000" dirty="0"/>
@@ -6482,60 +6489,60 @@
           <a:lstStyle/>
           <a:p>
             <a:r>
-              <a:rPr lang="en-US" altLang="zh-TW" sz="2000" dirty="0" smtClean="0"/>
+              <a:rPr lang="en-US" altLang="zh-TW" sz="2000" dirty="0"/>
               <a:t>TA will evaluate your clustering performances in terms of </a:t>
             </a:r>
             <a:r>
-              <a:rPr lang="en-US" altLang="zh-TW" sz="2000" i="1" dirty="0" smtClean="0"/>
+              <a:rPr lang="en-US" altLang="zh-TW" sz="2000" i="1" dirty="0"/>
               <a:t>precision</a:t>
             </a:r>
             <a:r>
-              <a:rPr lang="en-US" altLang="zh-TW" sz="2000" dirty="0" smtClean="0"/>
+              <a:rPr lang="en-US" altLang="zh-TW" sz="2000" dirty="0"/>
               <a:t>, </a:t>
             </a:r>
             <a:r>
-              <a:rPr lang="en-US" altLang="zh-TW" sz="2000" i="1" dirty="0" smtClean="0"/>
+              <a:rPr lang="en-US" altLang="zh-TW" sz="2000" i="1" dirty="0"/>
               <a:t>recall</a:t>
             </a:r>
             <a:r>
-              <a:rPr lang="en-US" altLang="zh-TW" sz="2000" dirty="0" smtClean="0"/>
+              <a:rPr lang="en-US" altLang="zh-TW" sz="2000" dirty="0"/>
               <a:t>, and </a:t>
             </a:r>
             <a:r>
-              <a:rPr lang="en-US" altLang="zh-TW" sz="2000" i="1" dirty="0" smtClean="0"/>
+              <a:rPr lang="en-US" altLang="zh-TW" sz="2000" i="1" dirty="0"/>
               <a:t>F</a:t>
             </a:r>
             <a:r>
-              <a:rPr lang="en-US" altLang="zh-TW" sz="2000" i="1" baseline="-25000" dirty="0" smtClean="0"/>
+              <a:rPr lang="en-US" altLang="zh-TW" sz="2000" i="1" baseline="-25000" dirty="0"/>
               <a:t>1</a:t>
             </a:r>
             <a:r>
-              <a:rPr lang="en-US" altLang="zh-TW" sz="2000" i="1" dirty="0" smtClean="0"/>
+              <a:rPr lang="en-US" altLang="zh-TW" sz="2000" i="1" dirty="0"/>
               <a:t> metrics</a:t>
             </a:r>
             <a:r>
-              <a:rPr lang="en-US" altLang="zh-TW" sz="2000" dirty="0" smtClean="0"/>
+              <a:rPr lang="en-US" altLang="zh-TW" sz="2000" dirty="0"/>
               <a:t>.</a:t>
             </a:r>
-            <a:endParaRPr lang="en-US" altLang="zh-TW" sz="2400" dirty="0" smtClean="0"/>
-          </a:p>
-          <a:p>
-            <a:endParaRPr lang="en-US" altLang="zh-TW" sz="800" dirty="0" smtClean="0"/>
-          </a:p>
-          <a:p>
-            <a:r>
-              <a:rPr lang="en-US" altLang="zh-TW" sz="2000" dirty="0" smtClean="0"/>
+            <a:endParaRPr lang="en-US" altLang="zh-TW" sz="2400" dirty="0"/>
+          </a:p>
+          <a:p>
+            <a:endParaRPr lang="en-US" altLang="zh-TW" sz="800" dirty="0"/>
+          </a:p>
+          <a:p>
+            <a:r>
+              <a:rPr lang="en-US" altLang="zh-TW" sz="2000" dirty="0"/>
               <a:t>Note:</a:t>
             </a:r>
           </a:p>
           <a:p>
             <a:pPr lvl="1"/>
             <a:r>
-              <a:rPr lang="en-US" altLang="zh-TW" sz="1800" dirty="0" smtClean="0"/>
+              <a:rPr lang="en-US" altLang="zh-TW" sz="1800" dirty="0"/>
               <a:t>Documents are represented as </a:t>
             </a:r>
             <a:r>
-              <a:rPr lang="en-US" altLang="zh-TW" sz="1800" b="1" dirty="0" smtClean="0">
+              <a:rPr lang="en-US" altLang="zh-TW" sz="1800" b="1" dirty="0">
                 <a:solidFill>
                   <a:srgbClr val="FF0000"/>
                 </a:solidFill>
@@ -6543,33 +6550,33 @@
               <a:t>normalized</a:t>
             </a:r>
             <a:r>
-              <a:rPr lang="en-US" altLang="zh-TW" sz="1800" dirty="0" smtClean="0"/>
+              <a:rPr lang="en-US" altLang="zh-TW" sz="1800" dirty="0"/>
               <a:t> </a:t>
             </a:r>
             <a:r>
-              <a:rPr lang="en-US" altLang="zh-TW" sz="1800" dirty="0" err="1" smtClean="0"/>
+              <a:rPr lang="en-US" altLang="zh-TW" sz="1800" dirty="0" err="1"/>
               <a:t>tf-idf</a:t>
             </a:r>
             <a:r>
-              <a:rPr lang="en-US" altLang="zh-TW" sz="1800" dirty="0" smtClean="0"/>
+              <a:rPr lang="en-US" altLang="zh-TW" sz="1800" dirty="0"/>
               <a:t> vectors.</a:t>
             </a:r>
           </a:p>
           <a:p>
             <a:pPr lvl="2"/>
             <a:r>
-              <a:rPr lang="en-US" altLang="zh-TW" sz="1400" dirty="0" smtClean="0"/>
+              <a:rPr lang="en-US" altLang="zh-TW" sz="1400" dirty="0"/>
               <a:t>Remind your programming assignment 2.</a:t>
             </a:r>
           </a:p>
           <a:p>
             <a:pPr lvl="2"/>
-            <a:endParaRPr lang="en-US" altLang="zh-TW" sz="400" dirty="0" smtClean="0"/>
+            <a:endParaRPr lang="en-US" altLang="zh-TW" sz="400" dirty="0"/>
           </a:p>
           <a:p>
             <a:pPr lvl="1"/>
             <a:r>
-              <a:rPr lang="en-US" altLang="zh-TW" sz="1800" b="1" dirty="0" smtClean="0">
+              <a:rPr lang="en-US" altLang="zh-TW" sz="1800" b="1" dirty="0">
                 <a:solidFill>
                   <a:srgbClr val="FF0000"/>
                 </a:solidFill>
@@ -6577,7 +6584,7 @@
               <a:t>Cosine similarity</a:t>
             </a:r>
             <a:r>
-              <a:rPr lang="en-US" altLang="zh-TW" sz="1800" dirty="0" smtClean="0">
+              <a:rPr lang="en-US" altLang="zh-TW" sz="1800" dirty="0">
                 <a:solidFill>
                   <a:srgbClr val="FF0000"/>
                 </a:solidFill>
@@ -6585,44 +6592,44 @@
               <a:t> </a:t>
             </a:r>
             <a:r>
-              <a:rPr lang="en-US" altLang="zh-TW" sz="1800" dirty="0" smtClean="0"/>
+              <a:rPr lang="en-US" altLang="zh-TW" sz="1800" dirty="0"/>
               <a:t>for pair-wise document similarity.</a:t>
             </a:r>
           </a:p>
           <a:p>
             <a:pPr lvl="2"/>
-            <a:endParaRPr lang="en-US" altLang="zh-TW" sz="400" dirty="0" smtClean="0"/>
+            <a:endParaRPr lang="en-US" altLang="zh-TW" sz="400" dirty="0"/>
           </a:p>
           <a:p>
             <a:pPr lvl="1"/>
             <a:r>
-              <a:rPr lang="en-US" altLang="zh-TW" sz="1800" dirty="0" smtClean="0"/>
+              <a:rPr lang="en-US" altLang="zh-TW" sz="1800" dirty="0"/>
               <a:t>Similarity measure between clusters can be:</a:t>
             </a:r>
           </a:p>
           <a:p>
             <a:pPr lvl="2"/>
             <a:r>
-              <a:rPr lang="en-US" altLang="zh-TW" sz="1400" dirty="0" smtClean="0"/>
+              <a:rPr lang="en-US" altLang="zh-TW" sz="1400" dirty="0"/>
               <a:t> single-link, complete-link, group-average, and </a:t>
             </a:r>
             <a:r>
-              <a:rPr lang="en-US" altLang="zh-TW" sz="1400" dirty="0" err="1" smtClean="0"/>
+              <a:rPr lang="en-US" altLang="zh-TW" sz="1400" dirty="0" err="1"/>
               <a:t>centroid</a:t>
             </a:r>
             <a:r>
-              <a:rPr lang="en-US" altLang="zh-TW" sz="1400" dirty="0" smtClean="0"/>
+              <a:rPr lang="en-US" altLang="zh-TW" sz="1400" dirty="0"/>
               <a:t> similarity.</a:t>
             </a:r>
           </a:p>
           <a:p>
             <a:pPr lvl="1"/>
             <a:r>
-              <a:rPr lang="en-US" altLang="zh-TW" sz="1800" dirty="0" smtClean="0"/>
+              <a:rPr lang="en-US" altLang="zh-TW" sz="1800" dirty="0"/>
               <a:t>To speed up your clustering … you </a:t>
             </a:r>
             <a:r>
-              <a:rPr lang="en-US" altLang="zh-TW" sz="1800" b="1" dirty="0" smtClean="0">
+              <a:rPr lang="en-US" altLang="zh-TW" sz="1800" b="1" dirty="0">
                 <a:solidFill>
                   <a:srgbClr val="FF0000"/>
                 </a:solidFill>
@@ -6630,25 +6637,25 @@
               <a:t>MAY</a:t>
             </a:r>
             <a:r>
-              <a:rPr lang="en-US" altLang="zh-TW" sz="1800" dirty="0" smtClean="0"/>
+              <a:rPr lang="en-US" altLang="zh-TW" sz="1800" dirty="0"/>
               <a:t> … </a:t>
             </a:r>
             <a:r>
-              <a:rPr lang="en-US" altLang="zh-TW" sz="1400" dirty="0" smtClean="0"/>
+              <a:rPr lang="en-US" altLang="zh-TW" sz="1400" dirty="0"/>
               <a:t>(15 bonus points)</a:t>
             </a:r>
-            <a:endParaRPr lang="en-US" altLang="zh-TW" sz="1800" dirty="0" smtClean="0"/>
+            <a:endParaRPr lang="en-US" altLang="zh-TW" sz="1800" dirty="0"/>
           </a:p>
           <a:p>
             <a:pPr lvl="2"/>
             <a:r>
-              <a:rPr lang="en-US" altLang="zh-TW" sz="1400" dirty="0" smtClean="0"/>
+              <a:rPr lang="en-US" altLang="zh-TW" sz="1400" dirty="0"/>
               <a:t>Use HEAP to obtain the cluster pair with maximal similarity.</a:t>
             </a:r>
           </a:p>
           <a:p>
             <a:pPr lvl="1"/>
-            <a:endParaRPr lang="en-US" altLang="zh-TW" sz="400" dirty="0" smtClean="0"/>
+            <a:endParaRPr lang="en-US" altLang="zh-TW" sz="400" dirty="0"/>
           </a:p>
           <a:p>
             <a:pPr lvl="2">
@@ -6656,7 +6663,7 @@
                 <a:spcPct val="90000"/>
               </a:lnSpc>
             </a:pPr>
-            <a:endParaRPr lang="en-US" altLang="zh-TW" sz="400" dirty="0" smtClean="0"/>
+            <a:endParaRPr lang="en-US" altLang="zh-TW" sz="400" dirty="0"/>
           </a:p>
           <a:p>
             <a:pPr>
@@ -6665,47 +6672,47 @@
               </a:lnSpc>
             </a:pPr>
             <a:r>
-              <a:rPr lang="en-US" altLang="zh-TW" sz="2000" dirty="0" smtClean="0"/>
+              <a:rPr lang="en-US" altLang="zh-TW" sz="2000" dirty="0"/>
               <a:t>Please zip and submit </a:t>
             </a:r>
             <a:r>
-              <a:rPr lang="en-US" altLang="zh-TW" sz="2000" baseline="30000" dirty="0" smtClean="0"/>
+              <a:rPr lang="en-US" altLang="zh-TW" sz="2000" baseline="30000" dirty="0"/>
               <a:t>1.</a:t>
             </a:r>
             <a:r>
-              <a:rPr lang="en-US" altLang="zh-TW" sz="2000" dirty="0" smtClean="0"/>
+              <a:rPr lang="en-US" altLang="zh-TW" sz="2000" dirty="0"/>
               <a:t>your clustering results </a:t>
             </a:r>
             <a:r>
-              <a:rPr lang="en-US" altLang="zh-TW" sz="1600" dirty="0" smtClean="0"/>
+              <a:rPr lang="en-US" altLang="zh-TW" sz="1600" dirty="0"/>
               <a:t>(</a:t>
             </a:r>
             <a:r>
-              <a:rPr lang="en-US" altLang="zh-TW" sz="1600" i="1" dirty="0" smtClean="0"/>
+              <a:rPr lang="en-US" altLang="zh-TW" sz="1600" i="1" dirty="0"/>
               <a:t>K</a:t>
             </a:r>
             <a:r>
-              <a:rPr lang="en-US" altLang="zh-TW" sz="1600" dirty="0" smtClean="0"/>
+              <a:rPr lang="en-US" altLang="zh-TW" sz="1600" dirty="0"/>
               <a:t>.txt)</a:t>
             </a:r>
             <a:r>
-              <a:rPr lang="en-US" altLang="zh-TW" sz="2000" dirty="0" smtClean="0"/>
+              <a:rPr lang="en-US" altLang="zh-TW" sz="2000" dirty="0"/>
               <a:t>, </a:t>
             </a:r>
             <a:r>
-              <a:rPr lang="en-US" altLang="zh-TW" sz="2000" baseline="30000" dirty="0" smtClean="0"/>
+              <a:rPr lang="en-US" altLang="zh-TW" sz="2000" baseline="30000" dirty="0"/>
               <a:t>2.</a:t>
             </a:r>
             <a:r>
-              <a:rPr lang="en-US" altLang="zh-TW" sz="2000" dirty="0" smtClean="0"/>
+              <a:rPr lang="en-US" altLang="zh-TW" sz="2000" dirty="0"/>
               <a:t>source code, and </a:t>
             </a:r>
             <a:r>
-              <a:rPr lang="en-US" altLang="zh-TW" sz="2000" baseline="30000" dirty="0" smtClean="0"/>
+              <a:rPr lang="en-US" altLang="zh-TW" sz="2000" baseline="30000" dirty="0"/>
               <a:t>3.</a:t>
             </a:r>
             <a:r>
-              <a:rPr lang="en-US" altLang="zh-TW" sz="2000" dirty="0" smtClean="0"/>
+              <a:rPr lang="en-US" altLang="zh-TW" sz="2000" dirty="0"/>
               <a:t>a report to TA.</a:t>
             </a:r>
           </a:p>
@@ -6716,11 +6723,11 @@
               </a:lnSpc>
             </a:pPr>
             <a:r>
-              <a:rPr lang="en-US" altLang="zh-TW" sz="1800" dirty="0" smtClean="0"/>
+              <a:rPr lang="en-US" altLang="zh-TW" sz="1800" dirty="0"/>
               <a:t>3 weeks to complete, that is, </a:t>
             </a:r>
             <a:r>
-              <a:rPr lang="en-US" altLang="zh-TW" sz="1800" b="1" dirty="0" smtClean="0">
+              <a:rPr lang="en-US" altLang="zh-TW" sz="1800" b="1" dirty="0">
                 <a:solidFill>
                   <a:srgbClr val="FF0000"/>
                 </a:solidFill>
@@ -6728,14 +6735,14 @@
               <a:t>2019/1/1</a:t>
             </a:r>
             <a:r>
-              <a:rPr lang="en-US" altLang="zh-TW" sz="1800" dirty="0" smtClean="0"/>
+              <a:rPr lang="en-US" altLang="zh-TW" sz="1800" dirty="0"/>
               <a:t>.</a:t>
             </a:r>
-            <a:endParaRPr lang="zh-TW" altLang="en-US" sz="2000" dirty="0" smtClean="0"/>
+            <a:endParaRPr lang="zh-TW" altLang="en-US" sz="2000" dirty="0"/>
           </a:p>
           <a:p>
             <a:pPr lvl="1"/>
-            <a:endParaRPr lang="en-US" altLang="zh-TW" sz="1600" dirty="0" smtClean="0"/>
+            <a:endParaRPr lang="en-US" altLang="zh-TW" sz="1600" dirty="0"/>
           </a:p>
         </p:txBody>
       </p:sp>
